--- a/Presentation/Functional Programming with FSharp.pptx
+++ b/Presentation/Functional Programming with FSharp.pptx
@@ -13291,6 +13291,36 @@
           </a:p>
         </p:txBody>
       </p:sp>
+      <p:pic>
+        <p:nvPicPr>
+          <p:cNvPr id="4" name="Picture 3"/>
+          <p:cNvPicPr>
+            <a:picLocks noChangeAspect="1"/>
+          </p:cNvPicPr>
+          <p:nvPr/>
+        </p:nvPicPr>
+        <p:blipFill>
+          <a:blip r:embed="rId2">
+            <a:extLst>
+              <a:ext uri="{28A0092B-C50C-407E-A947-70E740481C1C}">
+                <a14:useLocalDpi xmlns:a14="http://schemas.microsoft.com/office/drawing/2010/main" val="0"/>
+              </a:ext>
+            </a:extLst>
+          </a:blip>
+          <a:stretch>
+            <a:fillRect/>
+          </a:stretch>
+        </p:blipFill>
+        <p:spPr>
+          <a:xfrm>
+            <a:off x="5133974" y="2243137"/>
+            <a:ext cx="3452977" cy="4256392"/>
+          </a:xfrm>
+          <a:prstGeom prst="rect">
+            <a:avLst/>
+          </a:prstGeom>
+        </p:spPr>
+      </p:pic>
     </p:spTree>
     <p:extLst>
       <p:ext uri="{BB962C8B-B14F-4D97-AF65-F5344CB8AC3E}">
@@ -13301,6 +13331,13 @@
   <p:clrMapOvr>
     <a:masterClrMapping/>
   </p:clrMapOvr>
+  <p:timing>
+    <p:tnLst>
+      <p:par>
+        <p:cTn id="1" dur="indefinite" restart="never" nodeType="tmRoot"/>
+      </p:par>
+    </p:tnLst>
+  </p:timing>
 </p:sld>
 </file>
 
@@ -13361,7 +13398,25 @@
           <a:p>
             <a:r>
               <a:rPr lang="en-US" dirty="0" smtClean="0"/>
-              <a:t>Parsers and Compilers</a:t>
+              <a:t>Parsers and </a:t>
+            </a:r>
+            <a:r>
+              <a:rPr lang="en-US" dirty="0" smtClean="0"/>
+              <a:t>Compilers</a:t>
+            </a:r>
+          </a:p>
+          <a:p>
+            <a:pPr lvl="1"/>
+            <a:r>
+              <a:rPr lang="en-US" dirty="0" smtClean="0"/>
+              <a:t>F# Compiler</a:t>
+            </a:r>
+          </a:p>
+          <a:p>
+            <a:pPr lvl="1"/>
+            <a:r>
+              <a:rPr lang="en-US" dirty="0" smtClean="0"/>
+              <a:t>Domain Specific Languages</a:t>
             </a:r>
             <a:endParaRPr lang="en-US" dirty="0"/>
           </a:p>
@@ -13377,6 +13432,13 @@
   <p:clrMapOvr>
     <a:masterClrMapping/>
   </p:clrMapOvr>
+  <p:timing>
+    <p:tnLst>
+      <p:par>
+        <p:cTn id="1" dur="indefinite" restart="never" nodeType="tmRoot"/>
+      </p:par>
+    </p:tnLst>
+  </p:timing>
 </p:sld>
 </file>
 
@@ -13437,12 +13499,74 @@
           <a:p>
             <a:r>
               <a:rPr lang="en-US" dirty="0" smtClean="0"/>
-              <a:t>Game Editors</a:t>
-            </a:r>
+              <a:t>Game Engines</a:t>
+            </a:r>
+          </a:p>
+          <a:p>
+            <a:r>
+              <a:rPr lang="en-US" dirty="0">
+                <a:hlinkClick r:id="rId2"/>
+              </a:rPr>
+              <a:t>https://</a:t>
+            </a:r>
+            <a:r>
+              <a:rPr lang="en-US" dirty="0" smtClean="0">
+                <a:hlinkClick r:id="rId2"/>
+              </a:rPr>
+              <a:t>github.com/bryanedds/Nu</a:t>
+            </a:r>
+            <a:endParaRPr lang="en-US" dirty="0" smtClean="0"/>
+          </a:p>
+          <a:p>
+            <a:r>
+              <a:rPr lang="en-US" dirty="0">
+                <a:hlinkClick r:id="rId3"/>
+              </a:rPr>
+              <a:t>https://medium.com/@</a:t>
+            </a:r>
+            <a:r>
+              <a:rPr lang="en-US" dirty="0" smtClean="0">
+                <a:hlinkClick r:id="rId3"/>
+              </a:rPr>
+              <a:t>bryanedds/functional-game-programming-can-work-95ed0df14f77</a:t>
+            </a:r>
+            <a:endParaRPr lang="en-US" dirty="0" smtClean="0"/>
+          </a:p>
+          <a:p>
             <a:endParaRPr lang="en-US" dirty="0"/>
           </a:p>
         </p:txBody>
       </p:sp>
+      <p:pic>
+        <p:nvPicPr>
+          <p:cNvPr id="4" name="Picture 3"/>
+          <p:cNvPicPr>
+            <a:picLocks noChangeAspect="1"/>
+          </p:cNvPicPr>
+          <p:nvPr/>
+        </p:nvPicPr>
+        <p:blipFill>
+          <a:blip r:embed="rId4">
+            <a:extLst>
+              <a:ext uri="{28A0092B-C50C-407E-A947-70E740481C1C}">
+                <a14:useLocalDpi xmlns:a14="http://schemas.microsoft.com/office/drawing/2010/main" val="0"/>
+              </a:ext>
+            </a:extLst>
+          </a:blip>
+          <a:stretch>
+            <a:fillRect/>
+          </a:stretch>
+        </p:blipFill>
+        <p:spPr>
+          <a:xfrm>
+            <a:off x="4456386" y="3357180"/>
+            <a:ext cx="5888852" cy="3337016"/>
+          </a:xfrm>
+          <a:prstGeom prst="rect">
+            <a:avLst/>
+          </a:prstGeom>
+        </p:spPr>
+      </p:pic>
     </p:spTree>
     <p:extLst>
       <p:ext uri="{BB962C8B-B14F-4D97-AF65-F5344CB8AC3E}">
@@ -13453,6 +13577,13 @@
   <p:clrMapOvr>
     <a:masterClrMapping/>
   </p:clrMapOvr>
+  <p:timing>
+    <p:tnLst>
+      <p:par>
+        <p:cTn id="1" dur="indefinite" restart="never" nodeType="tmRoot"/>
+      </p:par>
+    </p:tnLst>
+  </p:timing>
 </p:sld>
 </file>
 
@@ -13854,7 +13985,7 @@
       </p:sp>
       <p:pic>
         <p:nvPicPr>
-          <p:cNvPr id="4" name="Picture 3"/>
+          <p:cNvPr id="5" name="Picture 4"/>
           <p:cNvPicPr>
             <a:picLocks noChangeAspect="1"/>
           </p:cNvPicPr>
@@ -13874,8 +14005,8 @@
         </p:blipFill>
         <p:spPr>
           <a:xfrm>
-            <a:off x="4687612" y="2498833"/>
-            <a:ext cx="5686097" cy="4264573"/>
+            <a:off x="4698124" y="2435328"/>
+            <a:ext cx="6221723" cy="4422671"/>
           </a:xfrm>
           <a:prstGeom prst="rect">
             <a:avLst/>
@@ -13892,6 +14023,13 @@
   <p:clrMapOvr>
     <a:masterClrMapping/>
   </p:clrMapOvr>
+  <p:timing>
+    <p:tnLst>
+      <p:par>
+        <p:cTn id="1" dur="indefinite" restart="never" nodeType="tmRoot"/>
+      </p:par>
+    </p:tnLst>
+  </p:timing>
 </p:sld>
 </file>
 
@@ -15118,8 +15256,13 @@
           <a:p>
             <a:r>
               <a:rPr lang="en-US" dirty="0" smtClean="0"/>
-              <a:t>Open the Code</a:t>
-            </a:r>
+              <a:t>Open </a:t>
+            </a:r>
+            <a:r>
+              <a:rPr lang="en-US" dirty="0" smtClean="0"/>
+              <a:t>Code</a:t>
+            </a:r>
+            <a:endParaRPr lang="en-US" dirty="0" smtClean="0"/>
           </a:p>
           <a:p>
             <a:r>
@@ -25222,8 +25365,12 @@
           <a:lstStyle/>
           <a:p>
             <a:r>
-              <a:rPr lang="en-US" dirty="0" smtClean="0"/>
-              <a:t>Exercise 7</a:t>
+              <a:rPr lang="en-US" smtClean="0"/>
+              <a:t>Exercise </a:t>
+            </a:r>
+            <a:r>
+              <a:rPr lang="en-US" smtClean="0"/>
+              <a:t>6</a:t>
             </a:r>
             <a:endParaRPr lang="en-US" dirty="0"/>
           </a:p>

--- a/Presentation/Functional Programming with FSharp.pptx
+++ b/Presentation/Functional Programming with FSharp.pptx
@@ -286,7 +286,7 @@
           <a:p>
             <a:fld id="{7578D8D5-0CE5-4439-9E76-2FFB4BB2051E}" type="datetimeFigureOut">
               <a:rPr lang="it-IT" smtClean="0"/>
-              <a:t>01/06/2017</a:t>
+              <a:t>03/06/2017</a:t>
             </a:fld>
             <a:endParaRPr lang="it-IT"/>
           </a:p>
@@ -6162,7 +6162,7 @@
             <a:fld id="{B61BEF0D-F0BB-DE4B-95CE-6DB70DBA9567}" type="datetimeFigureOut">
               <a:rPr lang="en-US" smtClean="0"/>
               <a:pPr/>
-              <a:t>6/1/2017</a:t>
+              <a:t>6/3/2017</a:t>
             </a:fld>
             <a:endParaRPr lang="en-US" dirty="0"/>
           </a:p>
@@ -6415,7 +6415,7 @@
             <a:fld id="{B61BEF0D-F0BB-DE4B-95CE-6DB70DBA9567}" type="datetimeFigureOut">
               <a:rPr lang="en-US" smtClean="0"/>
               <a:pPr/>
-              <a:t>6/1/2017</a:t>
+              <a:t>6/3/2017</a:t>
             </a:fld>
             <a:endParaRPr lang="en-US" dirty="0"/>
           </a:p>
@@ -6731,7 +6731,7 @@
             <a:fld id="{B61BEF0D-F0BB-DE4B-95CE-6DB70DBA9567}" type="datetimeFigureOut">
               <a:rPr lang="en-US" smtClean="0"/>
               <a:pPr/>
-              <a:t>6/1/2017</a:t>
+              <a:t>6/3/2017</a:t>
             </a:fld>
             <a:endParaRPr lang="en-US" dirty="0"/>
           </a:p>
@@ -7074,7 +7074,7 @@
             <a:fld id="{B61BEF0D-F0BB-DE4B-95CE-6DB70DBA9567}" type="datetimeFigureOut">
               <a:rPr lang="en-US" smtClean="0"/>
               <a:pPr/>
-              <a:t>6/1/2017</a:t>
+              <a:t>6/3/2017</a:t>
             </a:fld>
             <a:endParaRPr lang="en-US" dirty="0"/>
           </a:p>
@@ -7390,7 +7390,7 @@
             <a:fld id="{B61BEF0D-F0BB-DE4B-95CE-6DB70DBA9567}" type="datetimeFigureOut">
               <a:rPr lang="en-US" smtClean="0"/>
               <a:pPr/>
-              <a:t>6/1/2017</a:t>
+              <a:t>6/3/2017</a:t>
             </a:fld>
             <a:endParaRPr lang="en-US" dirty="0"/>
           </a:p>
@@ -7785,7 +7785,7 @@
             <a:fld id="{B61BEF0D-F0BB-DE4B-95CE-6DB70DBA9567}" type="datetimeFigureOut">
               <a:rPr lang="en-US" smtClean="0"/>
               <a:pPr/>
-              <a:t>6/1/2017</a:t>
+              <a:t>6/3/2017</a:t>
             </a:fld>
             <a:endParaRPr lang="en-US" dirty="0"/>
           </a:p>
@@ -7956,7 +7956,7 @@
           <a:p>
             <a:fld id="{55C6B4A9-1611-4792-9094-5F34BCA07E0B}" type="datetimeFigureOut">
               <a:rPr lang="en-US" smtClean="0"/>
-              <a:t>6/1/2017</a:t>
+              <a:t>6/3/2017</a:t>
             </a:fld>
             <a:endParaRPr lang="en-US" dirty="0"/>
           </a:p>
@@ -8137,7 +8137,7 @@
             <a:fld id="{B61BEF0D-F0BB-DE4B-95CE-6DB70DBA9567}" type="datetimeFigureOut">
               <a:rPr lang="en-US" smtClean="0"/>
               <a:pPr/>
-              <a:t>6/1/2017</a:t>
+              <a:t>6/3/2017</a:t>
             </a:fld>
             <a:endParaRPr lang="en-US" dirty="0"/>
           </a:p>
@@ -8315,7 +8315,7 @@
             <a:fld id="{B61BEF0D-F0BB-DE4B-95CE-6DB70DBA9567}" type="datetimeFigureOut">
               <a:rPr lang="en-US" smtClean="0"/>
               <a:pPr/>
-              <a:t>6/1/2017</a:t>
+              <a:t>6/3/2017</a:t>
             </a:fld>
             <a:endParaRPr lang="en-US" dirty="0"/>
           </a:p>
@@ -8564,7 +8564,7 @@
             <a:fld id="{B61BEF0D-F0BB-DE4B-95CE-6DB70DBA9567}" type="datetimeFigureOut">
               <a:rPr lang="en-US" smtClean="0"/>
               <a:pPr/>
-              <a:t>6/1/2017</a:t>
+              <a:t>6/3/2017</a:t>
             </a:fld>
             <a:endParaRPr lang="en-US" dirty="0"/>
           </a:p>
@@ -8797,7 +8797,7 @@
           <a:p>
             <a:fld id="{EB712588-04B1-427B-82EE-E8DB90309F08}" type="datetimeFigureOut">
               <a:rPr lang="en-US" smtClean="0"/>
-              <a:t>6/1/2017</a:t>
+              <a:t>6/3/2017</a:t>
             </a:fld>
             <a:endParaRPr lang="en-US" dirty="0"/>
           </a:p>
@@ -9172,7 +9172,7 @@
             <a:fld id="{B61BEF0D-F0BB-DE4B-95CE-6DB70DBA9567}" type="datetimeFigureOut">
               <a:rPr lang="en-US" smtClean="0"/>
               <a:pPr/>
-              <a:t>6/1/2017</a:t>
+              <a:t>6/3/2017</a:t>
             </a:fld>
             <a:endParaRPr lang="en-US" dirty="0"/>
           </a:p>
@@ -9297,7 +9297,7 @@
             <a:fld id="{B61BEF0D-F0BB-DE4B-95CE-6DB70DBA9567}" type="datetimeFigureOut">
               <a:rPr lang="en-US" smtClean="0"/>
               <a:pPr/>
-              <a:t>6/1/2017</a:t>
+              <a:t>6/3/2017</a:t>
             </a:fld>
             <a:endParaRPr lang="en-US" dirty="0"/>
           </a:p>
@@ -9394,7 +9394,7 @@
             <a:fld id="{B61BEF0D-F0BB-DE4B-95CE-6DB70DBA9567}" type="datetimeFigureOut">
               <a:rPr lang="en-US" smtClean="0"/>
               <a:pPr/>
-              <a:t>6/1/2017</a:t>
+              <a:t>6/3/2017</a:t>
             </a:fld>
             <a:endParaRPr lang="en-US" dirty="0"/>
           </a:p>
@@ -9650,7 +9650,7 @@
           <a:p>
             <a:fld id="{42A54C80-263E-416B-A8E0-580EDEADCBDC}" type="datetimeFigureOut">
               <a:rPr lang="en-US" smtClean="0"/>
-              <a:t>6/1/2017</a:t>
+              <a:t>6/3/2017</a:t>
             </a:fld>
             <a:endParaRPr lang="en-US" dirty="0"/>
           </a:p>
@@ -9914,7 +9914,7 @@
             <a:fld id="{B61BEF0D-F0BB-DE4B-95CE-6DB70DBA9567}" type="datetimeFigureOut">
               <a:rPr lang="en-US" smtClean="0"/>
               <a:pPr/>
-              <a:t>6/1/2017</a:t>
+              <a:t>6/3/2017</a:t>
             </a:fld>
             <a:endParaRPr lang="en-US" dirty="0"/>
           </a:p>
@@ -10659,7 +10659,7 @@
             <a:fld id="{B61BEF0D-F0BB-DE4B-95CE-6DB70DBA9567}" type="datetimeFigureOut">
               <a:rPr lang="en-US" smtClean="0"/>
               <a:pPr/>
-              <a:t>6/1/2017</a:t>
+              <a:t>6/3/2017</a:t>
             </a:fld>
             <a:endParaRPr lang="en-US" dirty="0"/>
           </a:p>
@@ -22989,39 +22989,18 @@
           <a:p>
             <a:pPr lvl="1"/>
             <a:r>
-              <a:rPr lang="it-IT" dirty="0" err="1" smtClean="0">
-                <a:latin typeface="Courier New" panose="02070309020205020404" pitchFamily="49" charset="0"/>
-                <a:cs typeface="Courier New" panose="02070309020205020404" pitchFamily="49" charset="0"/>
-              </a:rPr>
-              <a:t>fun</a:t>
-            </a:r>
-            <a:r>
               <a:rPr lang="it-IT" dirty="0" smtClean="0">
                 <a:latin typeface="Courier New" panose="02070309020205020404" pitchFamily="49" charset="0"/>
                 <a:cs typeface="Courier New" panose="02070309020205020404" pitchFamily="49" charset="0"/>
               </a:rPr>
-              <a:t> a b c -&gt; </a:t>
+              <a:t>Match </a:t>
             </a:r>
             <a:r>
               <a:rPr lang="it-IT" dirty="0" smtClean="0">
                 <a:latin typeface="Courier New" panose="02070309020205020404" pitchFamily="49" charset="0"/>
                 <a:cs typeface="Courier New" panose="02070309020205020404" pitchFamily="49" charset="0"/>
               </a:rPr>
-              <a:t>…</a:t>
-            </a:r>
-            <a:endParaRPr lang="it-IT" dirty="0" smtClean="0">
-              <a:latin typeface="Courier New" panose="02070309020205020404" pitchFamily="49" charset="0"/>
-              <a:cs typeface="Courier New" panose="02070309020205020404" pitchFamily="49" charset="0"/>
-            </a:endParaRPr>
-          </a:p>
-          <a:p>
-            <a:pPr lvl="1"/>
-            <a:r>
-              <a:rPr lang="it-IT" dirty="0" smtClean="0">
-                <a:latin typeface="Courier New" panose="02070309020205020404" pitchFamily="49" charset="0"/>
-                <a:cs typeface="Courier New" panose="02070309020205020404" pitchFamily="49" charset="0"/>
-              </a:rPr>
-              <a:t>Match x with …</a:t>
+              <a:t>x with …</a:t>
             </a:r>
           </a:p>
           <a:p>
@@ -27616,129 +27595,116 @@
               </a:rPr>
               <a:t>[1..10] </a:t>
             </a:r>
+          </a:p>
+          <a:p>
+            <a:pPr marL="1371600" lvl="3" indent="0">
+              <a:buNone/>
+            </a:pPr>
+            <a:r>
+              <a:rPr lang="it-IT" dirty="0" smtClean="0">
+                <a:latin typeface="Courier New" panose="02070309020205020404" pitchFamily="49" charset="0"/>
+                <a:cs typeface="Courier New" panose="02070309020205020404" pitchFamily="49" charset="0"/>
+              </a:rPr>
+              <a:t>|&gt; </a:t>
+            </a:r>
+            <a:r>
+              <a:rPr lang="it-IT" dirty="0" err="1" smtClean="0">
+                <a:latin typeface="Courier New" panose="02070309020205020404" pitchFamily="49" charset="0"/>
+                <a:cs typeface="Courier New" panose="02070309020205020404" pitchFamily="49" charset="0"/>
+              </a:rPr>
+              <a:t>List.map</a:t>
+            </a:r>
+            <a:r>
+              <a:rPr lang="it-IT" dirty="0" smtClean="0">
+                <a:latin typeface="Courier New" panose="02070309020205020404" pitchFamily="49" charset="0"/>
+                <a:cs typeface="Courier New" panose="02070309020205020404" pitchFamily="49" charset="0"/>
+              </a:rPr>
+              <a:t> </a:t>
+            </a:r>
+            <a:r>
+              <a:rPr lang="it-IT" dirty="0" err="1" smtClean="0">
+                <a:latin typeface="Courier New" panose="02070309020205020404" pitchFamily="49" charset="0"/>
+                <a:cs typeface="Courier New" panose="02070309020205020404" pitchFamily="49" charset="0"/>
+              </a:rPr>
+              <a:t>addOne</a:t>
+            </a:r>
+            <a:r>
+              <a:rPr lang="it-IT" dirty="0" smtClean="0">
+                <a:latin typeface="Courier New" panose="02070309020205020404" pitchFamily="49" charset="0"/>
+                <a:cs typeface="Courier New" panose="02070309020205020404" pitchFamily="49" charset="0"/>
+              </a:rPr>
+              <a:t> </a:t>
+            </a:r>
+          </a:p>
+          <a:p>
+            <a:pPr marL="1371600" lvl="3" indent="0">
+              <a:buNone/>
+            </a:pPr>
+            <a:r>
+              <a:rPr lang="it-IT" dirty="0" smtClean="0">
+                <a:latin typeface="Courier New" panose="02070309020205020404" pitchFamily="49" charset="0"/>
+                <a:cs typeface="Courier New" panose="02070309020205020404" pitchFamily="49" charset="0"/>
+              </a:rPr>
+              <a:t>|&gt; </a:t>
+            </a:r>
+            <a:r>
+              <a:rPr lang="it-IT" dirty="0" err="1" smtClean="0">
+                <a:latin typeface="Courier New" panose="02070309020205020404" pitchFamily="49" charset="0"/>
+                <a:cs typeface="Courier New" panose="02070309020205020404" pitchFamily="49" charset="0"/>
+              </a:rPr>
+              <a:t>List.map</a:t>
+            </a:r>
+            <a:r>
+              <a:rPr lang="it-IT" dirty="0" smtClean="0">
+                <a:latin typeface="Courier New" panose="02070309020205020404" pitchFamily="49" charset="0"/>
+                <a:cs typeface="Courier New" panose="02070309020205020404" pitchFamily="49" charset="0"/>
+              </a:rPr>
+              <a:t> </a:t>
+            </a:r>
+            <a:r>
+              <a:rPr lang="it-IT" dirty="0" err="1" smtClean="0">
+                <a:latin typeface="Courier New" panose="02070309020205020404" pitchFamily="49" charset="0"/>
+                <a:cs typeface="Courier New" panose="02070309020205020404" pitchFamily="49" charset="0"/>
+              </a:rPr>
+              <a:t>multiplyByTwo</a:t>
+            </a:r>
+            <a:r>
+              <a:rPr lang="it-IT" dirty="0" smtClean="0">
+                <a:latin typeface="Courier New" panose="02070309020205020404" pitchFamily="49" charset="0"/>
+                <a:cs typeface="Courier New" panose="02070309020205020404" pitchFamily="49" charset="0"/>
+              </a:rPr>
+              <a:t> </a:t>
+            </a:r>
+          </a:p>
+          <a:p>
+            <a:pPr marL="1371600" lvl="3" indent="0">
+              <a:buNone/>
+            </a:pPr>
+            <a:r>
+              <a:rPr lang="it-IT" dirty="0" smtClean="0">
+                <a:latin typeface="Courier New" panose="02070309020205020404" pitchFamily="49" charset="0"/>
+                <a:cs typeface="Courier New" panose="02070309020205020404" pitchFamily="49" charset="0"/>
+              </a:rPr>
+              <a:t>|&gt; </a:t>
+            </a:r>
+            <a:r>
+              <a:rPr lang="it-IT" dirty="0" err="1" smtClean="0">
+                <a:latin typeface="Courier New" panose="02070309020205020404" pitchFamily="49" charset="0"/>
+                <a:cs typeface="Courier New" panose="02070309020205020404" pitchFamily="49" charset="0"/>
+              </a:rPr>
+              <a:t>List.sum</a:t>
+            </a:r>
             <a:endParaRPr lang="it-IT" dirty="0" smtClean="0">
               <a:latin typeface="Courier New" panose="02070309020205020404" pitchFamily="49" charset="0"/>
               <a:cs typeface="Courier New" panose="02070309020205020404" pitchFamily="49" charset="0"/>
             </a:endParaRPr>
           </a:p>
           <a:p>
-            <a:pPr marL="1371600" lvl="3" indent="0">
-              <a:buNone/>
-            </a:pPr>
-            <a:r>
-              <a:rPr lang="it-IT" dirty="0" smtClean="0">
-                <a:latin typeface="Courier New" panose="02070309020205020404" pitchFamily="49" charset="0"/>
-                <a:cs typeface="Courier New" panose="02070309020205020404" pitchFamily="49" charset="0"/>
-              </a:rPr>
-              <a:t>|&gt; </a:t>
-            </a:r>
-            <a:r>
-              <a:rPr lang="it-IT" dirty="0" err="1" smtClean="0">
-                <a:latin typeface="Courier New" panose="02070309020205020404" pitchFamily="49" charset="0"/>
-                <a:cs typeface="Courier New" panose="02070309020205020404" pitchFamily="49" charset="0"/>
-              </a:rPr>
-              <a:t>List.map</a:t>
-            </a:r>
-            <a:r>
-              <a:rPr lang="it-IT" dirty="0" smtClean="0">
-                <a:latin typeface="Courier New" panose="02070309020205020404" pitchFamily="49" charset="0"/>
-                <a:cs typeface="Courier New" panose="02070309020205020404" pitchFamily="49" charset="0"/>
-              </a:rPr>
-              <a:t> </a:t>
-            </a:r>
-            <a:r>
-              <a:rPr lang="it-IT" dirty="0" err="1" smtClean="0">
-                <a:latin typeface="Courier New" panose="02070309020205020404" pitchFamily="49" charset="0"/>
-                <a:cs typeface="Courier New" panose="02070309020205020404" pitchFamily="49" charset="0"/>
-              </a:rPr>
-              <a:t>addOne</a:t>
-            </a:r>
-            <a:r>
-              <a:rPr lang="it-IT" dirty="0" smtClean="0">
-                <a:latin typeface="Courier New" panose="02070309020205020404" pitchFamily="49" charset="0"/>
-                <a:cs typeface="Courier New" panose="02070309020205020404" pitchFamily="49" charset="0"/>
-              </a:rPr>
-              <a:t> </a:t>
-            </a:r>
-            <a:endParaRPr lang="it-IT" dirty="0" smtClean="0">
-              <a:latin typeface="Courier New" panose="02070309020205020404" pitchFamily="49" charset="0"/>
-              <a:cs typeface="Courier New" panose="02070309020205020404" pitchFamily="49" charset="0"/>
-            </a:endParaRPr>
-          </a:p>
-          <a:p>
-            <a:pPr marL="1371600" lvl="3" indent="0">
-              <a:buNone/>
-            </a:pPr>
-            <a:r>
-              <a:rPr lang="it-IT" dirty="0" smtClean="0">
-                <a:latin typeface="Courier New" panose="02070309020205020404" pitchFamily="49" charset="0"/>
-                <a:cs typeface="Courier New" panose="02070309020205020404" pitchFamily="49" charset="0"/>
-              </a:rPr>
-              <a:t>|&gt; </a:t>
-            </a:r>
-            <a:r>
-              <a:rPr lang="it-IT" dirty="0" err="1" smtClean="0">
-                <a:latin typeface="Courier New" panose="02070309020205020404" pitchFamily="49" charset="0"/>
-                <a:cs typeface="Courier New" panose="02070309020205020404" pitchFamily="49" charset="0"/>
-              </a:rPr>
-              <a:t>List.map</a:t>
-            </a:r>
-            <a:r>
-              <a:rPr lang="it-IT" dirty="0" smtClean="0">
-                <a:latin typeface="Courier New" panose="02070309020205020404" pitchFamily="49" charset="0"/>
-                <a:cs typeface="Courier New" panose="02070309020205020404" pitchFamily="49" charset="0"/>
-              </a:rPr>
-              <a:t> </a:t>
-            </a:r>
-            <a:r>
-              <a:rPr lang="it-IT" dirty="0" err="1" smtClean="0">
-                <a:latin typeface="Courier New" panose="02070309020205020404" pitchFamily="49" charset="0"/>
-                <a:cs typeface="Courier New" panose="02070309020205020404" pitchFamily="49" charset="0"/>
-              </a:rPr>
-              <a:t>multiplyByTwo</a:t>
-            </a:r>
-            <a:r>
-              <a:rPr lang="it-IT" dirty="0" smtClean="0">
-                <a:latin typeface="Courier New" panose="02070309020205020404" pitchFamily="49" charset="0"/>
-                <a:cs typeface="Courier New" panose="02070309020205020404" pitchFamily="49" charset="0"/>
-              </a:rPr>
-              <a:t> </a:t>
-            </a:r>
-            <a:endParaRPr lang="it-IT" dirty="0" smtClean="0">
-              <a:latin typeface="Courier New" panose="02070309020205020404" pitchFamily="49" charset="0"/>
-              <a:cs typeface="Courier New" panose="02070309020205020404" pitchFamily="49" charset="0"/>
-            </a:endParaRPr>
-          </a:p>
-          <a:p>
-            <a:pPr marL="1371600" lvl="3" indent="0">
-              <a:buNone/>
-            </a:pPr>
-            <a:r>
-              <a:rPr lang="it-IT" dirty="0" smtClean="0">
-                <a:latin typeface="Courier New" panose="02070309020205020404" pitchFamily="49" charset="0"/>
-                <a:cs typeface="Courier New" panose="02070309020205020404" pitchFamily="49" charset="0"/>
-              </a:rPr>
-              <a:t>|&gt; </a:t>
-            </a:r>
-            <a:r>
-              <a:rPr lang="it-IT" dirty="0" err="1" smtClean="0">
-                <a:latin typeface="Courier New" panose="02070309020205020404" pitchFamily="49" charset="0"/>
-                <a:cs typeface="Courier New" panose="02070309020205020404" pitchFamily="49" charset="0"/>
-              </a:rPr>
-              <a:t>List.sum</a:t>
-            </a:r>
-            <a:endParaRPr lang="it-IT" dirty="0" smtClean="0">
-              <a:latin typeface="Courier New" panose="02070309020205020404" pitchFamily="49" charset="0"/>
-              <a:cs typeface="Courier New" panose="02070309020205020404" pitchFamily="49" charset="0"/>
-            </a:endParaRPr>
-          </a:p>
-          <a:p>
             <a:pPr lvl="2"/>
             <a:r>
               <a:rPr lang="it-IT" dirty="0" smtClean="0"/>
               <a:t>to</a:t>
             </a:r>
-            <a:endParaRPr lang="it-IT" dirty="0" smtClean="0"/>
           </a:p>
           <a:p>
             <a:pPr marL="914400" lvl="2" indent="0">
@@ -28049,9 +28015,6 @@
               </a:rPr>
               <a:t>]</a:t>
             </a:r>
-            <a:endParaRPr lang="nn-NO" sz="2000" dirty="0" smtClean="0">
-              <a:latin typeface="Consolas" panose="020B0609020204030204" pitchFamily="49" charset="0"/>
-            </a:endParaRPr>
           </a:p>
           <a:p>
             <a:pPr marL="457200" lvl="1" indent="0">
@@ -29087,14 +29050,7 @@
                 <a:latin typeface="Courier New" panose="02070309020205020404" pitchFamily="49" charset="0"/>
                 <a:cs typeface="Courier New" panose="02070309020205020404" pitchFamily="49" charset="0"/>
               </a:rPr>
-              <a:t> (</a:t>
-            </a:r>
-            <a:r>
-              <a:rPr lang="en-US" dirty="0">
-                <a:latin typeface="Courier New" panose="02070309020205020404" pitchFamily="49" charset="0"/>
-                <a:cs typeface="Courier New" panose="02070309020205020404" pitchFamily="49" charset="0"/>
-              </a:rPr>
-              <a:t>c + 1) t</a:t>
+              <a:t> (c + 1) t</a:t>
             </a:r>
           </a:p>
           <a:p>
@@ -29134,14 +29090,7 @@
                 <a:latin typeface="Courier New" panose="02070309020205020404" pitchFamily="49" charset="0"/>
                 <a:cs typeface="Courier New" panose="02070309020205020404" pitchFamily="49" charset="0"/>
               </a:rPr>
-              <a:t>0 </a:t>
-            </a:r>
-            <a:r>
-              <a:rPr lang="en-US" dirty="0">
-                <a:latin typeface="Courier New" panose="02070309020205020404" pitchFamily="49" charset="0"/>
-                <a:cs typeface="Courier New" panose="02070309020205020404" pitchFamily="49" charset="0"/>
-              </a:rPr>
-              <a:t>n</a:t>
+              <a:t>0 n</a:t>
             </a:r>
           </a:p>
         </p:txBody>
@@ -31106,28 +31055,30 @@
           <a:lstStyle/>
           <a:p>
             <a:r>
+              <a:rPr lang="en-US" dirty="0" smtClean="0"/>
+              <a:t>Dnl.pozzobon</a:t>
+            </a:r>
+            <a:r>
+              <a:rPr lang="en-US" dirty="0" smtClean="0"/>
+              <a:t>@gmail.com</a:t>
+            </a:r>
+            <a:endParaRPr lang="en-US" dirty="0" smtClean="0"/>
+          </a:p>
+          <a:p>
+            <a:r>
+              <a:rPr lang="en-US" dirty="0" smtClean="0"/>
+              <a:t>@</a:t>
+            </a:r>
+            <a:r>
+              <a:rPr lang="en-US" dirty="0" err="1" smtClean="0"/>
+              <a:t>pozzobondaniele</a:t>
+            </a:r>
+            <a:endParaRPr lang="en-US" dirty="0" smtClean="0"/>
+          </a:p>
+          <a:p>
+            <a:r>
               <a:rPr lang="en-US" dirty="0" smtClean="0">
                 <a:hlinkClick r:id="rId2"/>
-              </a:rPr>
-              <a:t>d.pozzobon@reply.it</a:t>
-            </a:r>
-            <a:endParaRPr lang="en-US" dirty="0" smtClean="0"/>
-          </a:p>
-          <a:p>
-            <a:r>
-              <a:rPr lang="en-US" dirty="0" smtClean="0"/>
-              <a:t>@</a:t>
-            </a:r>
-            <a:r>
-              <a:rPr lang="en-US" dirty="0" err="1" smtClean="0"/>
-              <a:t>pozzobondaniele</a:t>
-            </a:r>
-            <a:endParaRPr lang="en-US" dirty="0" smtClean="0"/>
-          </a:p>
-          <a:p>
-            <a:r>
-              <a:rPr lang="en-US" dirty="0" smtClean="0">
-                <a:hlinkClick r:id="rId3"/>
               </a:rPr>
               <a:t>www.codecleane.rs</a:t>
             </a:r>
